--- a/hydamo_wasmachine/HyDAMOWasmachine.pptx
+++ b/hydamo_wasmachine/HyDAMOWasmachine.pptx
@@ -223,7 +223,7 @@
           <a:p>
             <a:fld id="{9BBBC54C-B953-064A-A75C-BA0C85C4BD4E}" type="datetimeFigureOut">
               <a:rPr lang="nl-NL" smtClean="0"/>
-              <a:t>7-3-2022</a:t>
+              <a:t>23-3-2023</a:t>
             </a:fld>
             <a:endParaRPr lang="nl-NL"/>
           </a:p>
@@ -3931,7 +3931,7 @@
         <p:fade/>
       </p:transition>
     </mc:Choice>
-    <mc:Fallback xmlns="" xmlns:a16="http://schemas.microsoft.com/office/drawing/2014/main">
+    <mc:Fallback xmlns:a16="http://schemas.microsoft.com/office/drawing/2014/main" xmlns="">
       <p:transition spd="med">
         <p:fade/>
       </p:transition>
@@ -4414,7 +4414,7 @@
         <p:fade/>
       </p:transition>
     </mc:Choice>
-    <mc:Fallback xmlns="" xmlns:a16="http://schemas.microsoft.com/office/drawing/2014/main">
+    <mc:Fallback xmlns:a16="http://schemas.microsoft.com/office/drawing/2014/main" xmlns="">
       <p:transition spd="med">
         <p:fade/>
       </p:transition>
@@ -4631,7 +4631,7 @@
         <p:fade/>
       </p:transition>
     </mc:Choice>
-    <mc:Fallback xmlns="" xmlns:a16="http://schemas.microsoft.com/office/drawing/2014/main">
+    <mc:Fallback xmlns:a16="http://schemas.microsoft.com/office/drawing/2014/main" xmlns="">
       <p:transition spd="med">
         <p:fade/>
       </p:transition>
@@ -5493,7 +5493,7 @@
         <p:fade/>
       </p:transition>
     </mc:Choice>
-    <mc:Fallback xmlns="" xmlns:a16="http://schemas.microsoft.com/office/drawing/2014/main">
+    <mc:Fallback xmlns:a16="http://schemas.microsoft.com/office/drawing/2014/main" xmlns="">
       <p:transition spd="med">
         <p:fade/>
       </p:transition>
@@ -5706,7 +5706,7 @@
         <p:fade/>
       </p:transition>
     </mc:Choice>
-    <mc:Fallback xmlns="" xmlns:a16="http://schemas.microsoft.com/office/drawing/2014/main">
+    <mc:Fallback xmlns:a16="http://schemas.microsoft.com/office/drawing/2014/main" xmlns="">
       <p:transition spd="med">
         <p:fade/>
       </p:transition>
@@ -5977,7 +5977,7 @@
         <p:fade/>
       </p:transition>
     </mc:Choice>
-    <mc:Fallback xmlns="" xmlns:a16="http://schemas.microsoft.com/office/drawing/2014/main">
+    <mc:Fallback xmlns:a16="http://schemas.microsoft.com/office/drawing/2014/main" xmlns="">
       <p:transition spd="med">
         <p:fade/>
       </p:transition>
@@ -6253,7 +6253,7 @@
         <p:fade/>
       </p:transition>
     </mc:Choice>
-    <mc:Fallback xmlns="" xmlns:a16="http://schemas.microsoft.com/office/drawing/2014/main">
+    <mc:Fallback xmlns:a16="http://schemas.microsoft.com/office/drawing/2014/main" xmlns="">
       <p:transition spd="med">
         <p:fade/>
       </p:transition>
@@ -7112,7 +7112,7 @@
         <p:fade/>
       </p:transition>
     </mc:Choice>
-    <mc:Fallback xmlns="" xmlns:a16="http://schemas.microsoft.com/office/drawing/2014/main">
+    <mc:Fallback xmlns:a16="http://schemas.microsoft.com/office/drawing/2014/main" xmlns="">
       <p:transition spd="med">
         <p:fade/>
       </p:transition>
@@ -7312,7 +7312,7 @@
         <p:fade/>
       </p:transition>
     </mc:Choice>
-    <mc:Fallback xmlns="" xmlns:a16="http://schemas.microsoft.com/office/drawing/2014/main">
+    <mc:Fallback xmlns:a16="http://schemas.microsoft.com/office/drawing/2014/main" xmlns="">
       <p:transition spd="med">
         <p:fade/>
       </p:transition>
@@ -7484,7 +7484,7 @@
         <p:fade/>
       </p:transition>
     </mc:Choice>
-    <mc:Fallback xmlns="" xmlns:a16="http://schemas.microsoft.com/office/drawing/2014/main">
+    <mc:Fallback xmlns:a16="http://schemas.microsoft.com/office/drawing/2014/main" xmlns="">
       <p:transition spd="med">
         <p:fade/>
       </p:transition>
@@ -17038,7 +17038,7 @@
           <a:p>
             <a:r>
               <a:rPr lang="nl-NL" dirty="0"/>
-              <a:t>7 maart 2022</a:t>
+              <a:t>23 maart 2023</a:t>
             </a:r>
           </a:p>
         </p:txBody>
@@ -17196,7 +17196,7 @@
           <a:p>
             <a:r>
               <a:rPr lang="nl-NL" dirty="0"/>
-              <a:t>7 maart 2022</a:t>
+              <a:t>23 maart 2023</a:t>
             </a:r>
           </a:p>
           <a:p>
@@ -17596,7 +17596,7 @@
           <a:p>
             <a:r>
               <a:rPr lang="nl-NL" dirty="0"/>
-              <a:t>7 maart 2022</a:t>
+              <a:t>23 maart 2023</a:t>
             </a:r>
           </a:p>
           <a:p>
@@ -17620,7 +17620,7 @@
         <p:fade/>
       </p:transition>
     </mc:Choice>
-    <mc:Fallback xmlns="" xmlns:a16="http://schemas.microsoft.com/office/drawing/2014/main">
+    <mc:Fallback xmlns:a16="http://schemas.microsoft.com/office/drawing/2014/main" xmlns="">
       <p:transition spd="med">
         <p:fade/>
       </p:transition>
@@ -17710,7 +17710,7 @@
             </a:r>
             <a:r>
               <a:rPr lang="nl-NL" dirty="0"/>
-              <a:t> of een File </a:t>
+              <a:t>, File </a:t>
             </a:r>
             <a:r>
               <a:rPr lang="nl-NL" dirty="0" err="1"/>
@@ -17718,7 +17718,15 @@
             </a:r>
             <a:r>
               <a:rPr lang="nl-NL" dirty="0"/>
-              <a:t> staan. </a:t>
+              <a:t>, </a:t>
+            </a:r>
+            <a:r>
+              <a:rPr lang="nl-NL" dirty="0" err="1"/>
+              <a:t>DAMo</a:t>
+            </a:r>
+            <a:r>
+              <a:rPr lang="nl-NL" dirty="0"/>
+              <a:t> Oracle database of DAMO Connect staan. </a:t>
             </a:r>
           </a:p>
           <a:p>
@@ -17891,7 +17899,7 @@
           <a:p>
             <a:r>
               <a:rPr lang="nl-NL" dirty="0"/>
-              <a:t>7 maart 2022</a:t>
+              <a:t>23 maart 2023</a:t>
             </a:r>
           </a:p>
           <a:p>
@@ -17915,7 +17923,7 @@
         <p:fade/>
       </p:transition>
     </mc:Choice>
-    <mc:Fallback xmlns="" xmlns:a16="http://schemas.microsoft.com/office/drawing/2014/main">
+    <mc:Fallback xmlns:a16="http://schemas.microsoft.com/office/drawing/2014/main" xmlns="">
       <p:transition spd="med">
         <p:fade/>
       </p:transition>
@@ -17941,6 +17949,36 @@
           <a:chExt cx="0" cy="0"/>
         </a:xfrm>
       </p:grpSpPr>
+      <p:pic>
+        <p:nvPicPr>
+          <p:cNvPr id="8" name="Afbeelding 7">
+            <a:extLst>
+              <a:ext uri="{FF2B5EF4-FFF2-40B4-BE49-F238E27FC236}">
+                <a16:creationId xmlns:a16="http://schemas.microsoft.com/office/drawing/2014/main" id="{62D1FDC0-9DE6-60B2-B3CC-779ECA9CD9B8}"/>
+              </a:ext>
+            </a:extLst>
+          </p:cNvPr>
+          <p:cNvPicPr>
+            <a:picLocks noChangeAspect="1"/>
+          </p:cNvPicPr>
+          <p:nvPr/>
+        </p:nvPicPr>
+        <p:blipFill>
+          <a:blip r:embed="rId2"/>
+          <a:stretch>
+            <a:fillRect/>
+          </a:stretch>
+        </p:blipFill>
+        <p:spPr>
+          <a:xfrm>
+            <a:off x="-66398" y="0"/>
+            <a:ext cx="6038850" cy="6534150"/>
+          </a:xfrm>
+          <a:prstGeom prst="rect">
+            <a:avLst/>
+          </a:prstGeom>
+        </p:spPr>
+      </p:pic>
       <p:sp>
         <p:nvSpPr>
           <p:cNvPr id="2" name="Titel 1">
@@ -17957,7 +17995,12 @@
             <p:ph type="title"/>
           </p:nvPr>
         </p:nvSpPr>
-        <p:spPr/>
+        <p:spPr>
+          <a:xfrm>
+            <a:off x="6219549" y="949253"/>
+            <a:ext cx="8820150" cy="720725"/>
+          </a:xfrm>
+        </p:spPr>
         <p:txBody>
           <a:bodyPr/>
           <a:lstStyle/>
@@ -17987,7 +18030,7 @@
         </p:nvSpPr>
         <p:spPr>
           <a:xfrm>
-            <a:off x="1055689" y="1864310"/>
+            <a:off x="6099868" y="1911417"/>
             <a:ext cx="10296489" cy="4625389"/>
           </a:xfrm>
         </p:spPr>
@@ -18035,7 +18078,7 @@
             </a:pPr>
             <a:r>
               <a:rPr lang="nl-NL" dirty="0"/>
-              <a:t>Kies voor Bron: </a:t>
+              <a:t>Kies voor Bron: 	</a:t>
             </a:r>
             <a:r>
               <a:rPr lang="nl-NL" dirty="0" err="1"/>
@@ -18043,13 +18086,8 @@
             </a:r>
             <a:r>
               <a:rPr lang="nl-NL" dirty="0"/>
-              <a:t> óf File </a:t>
-            </a:r>
-            <a:r>
-              <a:rPr lang="nl-NL" dirty="0" err="1"/>
-              <a:t>geodatabase</a:t>
-            </a:r>
-            <a:endParaRPr lang="nl-NL" dirty="0"/>
+              <a:t> </a:t>
+            </a:r>
           </a:p>
           <a:p>
             <a:pPr marL="0" indent="0">
@@ -18057,7 +18095,39 @@
             </a:pPr>
             <a:r>
               <a:rPr lang="nl-NL" dirty="0"/>
-              <a:t>Kies welke feature types ingeladen moeten worden</a:t>
+              <a:t>			File </a:t>
+            </a:r>
+            <a:r>
+              <a:rPr lang="nl-NL" dirty="0" err="1"/>
+              <a:t>geodatabase</a:t>
+            </a:r>
+            <a:endParaRPr lang="nl-NL" dirty="0"/>
+          </a:p>
+          <a:p>
+            <a:pPr marL="0" indent="0">
+              <a:buNone/>
+            </a:pPr>
+            <a:r>
+              <a:rPr lang="nl-NL" dirty="0"/>
+              <a:t>			Oracle SDE (DAMO)</a:t>
+            </a:r>
+          </a:p>
+          <a:p>
+            <a:pPr marL="0" indent="0">
+              <a:buNone/>
+            </a:pPr>
+            <a:r>
+              <a:rPr lang="nl-NL" dirty="0"/>
+              <a:t>			Oracle (DAMO CONNECT)</a:t>
+            </a:r>
+          </a:p>
+          <a:p>
+            <a:pPr marL="0" indent="0">
+              <a:buNone/>
+            </a:pPr>
+            <a:r>
+              <a:rPr lang="nl-NL" dirty="0"/>
+              <a:t>Kies feature types die ingeladen moeten worden</a:t>
             </a:r>
           </a:p>
           <a:p>
@@ -18174,7 +18244,7 @@
           <a:p>
             <a:r>
               <a:rPr lang="nl-NL" dirty="0"/>
-              <a:t>7 maart 2022</a:t>
+              <a:t>23 maart 2023</a:t>
             </a:r>
           </a:p>
           <a:p>
@@ -18182,36 +18252,6 @@
           </a:p>
         </p:txBody>
       </p:sp>
-      <p:pic>
-        <p:nvPicPr>
-          <p:cNvPr id="11" name="Afbeelding 10">
-            <a:extLst>
-              <a:ext uri="{FF2B5EF4-FFF2-40B4-BE49-F238E27FC236}">
-                <a16:creationId xmlns:a16="http://schemas.microsoft.com/office/drawing/2014/main" id="{E0790087-6BBB-434E-B8E2-82DB31220677}"/>
-              </a:ext>
-            </a:extLst>
-          </p:cNvPr>
-          <p:cNvPicPr>
-            <a:picLocks noChangeAspect="1"/>
-          </p:cNvPicPr>
-          <p:nvPr/>
-        </p:nvPicPr>
-        <p:blipFill>
-          <a:blip r:embed="rId2"/>
-          <a:stretch>
-            <a:fillRect/>
-          </a:stretch>
-        </p:blipFill>
-        <p:spPr>
-          <a:xfrm>
-            <a:off x="7628416" y="3694426"/>
-            <a:ext cx="4125819" cy="2842380"/>
-          </a:xfrm>
-          <a:prstGeom prst="rect">
-            <a:avLst/>
-          </a:prstGeom>
-        </p:spPr>
-      </p:pic>
       <p:sp>
         <p:nvSpPr>
           <p:cNvPr id="9" name="Ovaal 8">
@@ -18226,7 +18266,7 @@
         </p:nvSpPr>
         <p:spPr>
           <a:xfrm>
-            <a:off x="7628416" y="4939606"/>
+            <a:off x="993154" y="4750820"/>
             <a:ext cx="2101511" cy="635036"/>
           </a:xfrm>
           <a:prstGeom prst="ellipse">
@@ -18264,36 +18304,6 @@
           </a:p>
         </p:txBody>
       </p:sp>
-      <p:pic>
-        <p:nvPicPr>
-          <p:cNvPr id="13" name="Afbeelding 12">
-            <a:extLst>
-              <a:ext uri="{FF2B5EF4-FFF2-40B4-BE49-F238E27FC236}">
-                <a16:creationId xmlns:a16="http://schemas.microsoft.com/office/drawing/2014/main" id="{347EC19A-7D9E-4B32-8246-E50756CD1685}"/>
-              </a:ext>
-            </a:extLst>
-          </p:cNvPr>
-          <p:cNvPicPr>
-            <a:picLocks noChangeAspect="1"/>
-          </p:cNvPicPr>
-          <p:nvPr/>
-        </p:nvPicPr>
-        <p:blipFill>
-          <a:blip r:embed="rId3"/>
-          <a:stretch>
-            <a:fillRect/>
-          </a:stretch>
-        </p:blipFill>
-        <p:spPr>
-          <a:xfrm>
-            <a:off x="7628416" y="804940"/>
-            <a:ext cx="4125819" cy="2842380"/>
-          </a:xfrm>
-          <a:prstGeom prst="rect">
-            <a:avLst/>
-          </a:prstGeom>
-        </p:spPr>
-      </p:pic>
       <p:sp>
         <p:nvSpPr>
           <p:cNvPr id="14" name="Ovaal 13">
@@ -18308,7 +18318,7 @@
         </p:nvSpPr>
         <p:spPr>
           <a:xfrm>
-            <a:off x="7721202" y="1675881"/>
+            <a:off x="810084" y="2216651"/>
             <a:ext cx="2101511" cy="635036"/>
           </a:xfrm>
           <a:prstGeom prst="ellipse">
@@ -18356,13 +18366,13 @@
   <p:clrMapOvr>
     <a:masterClrMapping/>
   </p:clrMapOvr>
-  <mc:AlternateContent xmlns:mc="http://schemas.openxmlformats.org/markup-compatibility/2006">
-    <mc:Choice xmlns:p14="http://schemas.microsoft.com/office/powerpoint/2010/main" Requires="p14">
+  <mc:AlternateContent xmlns:mc="http://schemas.openxmlformats.org/markup-compatibility/2006" xmlns:p14="http://schemas.microsoft.com/office/powerpoint/2010/main">
+    <mc:Choice Requires="p14">
       <p:transition spd="med" p14:dur="700">
         <p:fade/>
       </p:transition>
     </mc:Choice>
-    <mc:Fallback>
+    <mc:Fallback xmlns="">
       <p:transition spd="med">
         <p:fade/>
       </p:transition>
@@ -19859,14 +19869,22 @@
 </file>
 
 <file path=customXml/item1.xml><?xml version="1.0" encoding="utf-8"?>
-<TemplafyFormConfiguration><![CDATA[{"formFields":[],"formDataEntries":[]}]]></TemplafyFormConfiguration>
+<TemplafySlideTemplateConfiguration><![CDATA[{"slideVersion":0,"isValidatorEnabled":false,"isLocked":false,"elementsMetadata":[],"slideId":"637461423044954626","enableDocumentContentUpdater":true,"version":"1.11"}]]></TemplafySlideTemplateConfiguration>
 </file>
 
 <file path=customXml/item2.xml><?xml version="1.0" encoding="utf-8"?>
-<TemplafySlideTemplateConfiguration><![CDATA[{"slideVersion":0,"isValidatorEnabled":false,"isLocked":false,"elementsMetadata":[],"slideId":"637461423044642280","enableDocumentContentUpdater":true,"version":"1.11"}]]></TemplafySlideTemplateConfiguration>
+<TemplafyTemplateConfiguration><![CDATA[{"elementsMetadata":[],"transformationConfigurations":[],"templateName":"","templateDescription":"","enableDocumentContentUpdater":true,"version":"1.11"}]]></TemplafyTemplateConfiguration>
 </file>
 
 <file path=customXml/item3.xml><?xml version="1.0" encoding="utf-8"?>
+<TemplafySlideFormConfiguration><![CDATA[{"formFields":[],"formDataEntries":[]}]]></TemplafySlideFormConfiguration>
+</file>
+
+<file path=customXml/item4.xml><?xml version="1.0" encoding="utf-8"?>
+<TemplafySlideFormConfiguration><![CDATA[{"formFields":[],"formDataEntries":[]}]]></TemplafySlideFormConfiguration>
+</file>
+
+<file path=customXml/item5.xml><?xml version="1.0" encoding="utf-8"?>
 <ct:contentTypeSchema xmlns:ct="http://schemas.microsoft.com/office/2006/metadata/contentType" xmlns:ma="http://schemas.microsoft.com/office/2006/metadata/properties/metaAttributes" ct:_="" ma:_="" ma:contentTypeName="Document" ma:contentTypeID="0x010100B2BF8D401C75F54681E9DB16787E551E" ma:contentTypeVersion="8" ma:contentTypeDescription="Een nieuw document maken." ma:contentTypeScope="" ma:versionID="b99ac652263970adabd420ec399d61a8">
   <xsd:schema xmlns:xsd="http://www.w3.org/2001/XMLSchema" xmlns:xs="http://www.w3.org/2001/XMLSchema" xmlns:p="http://schemas.microsoft.com/office/2006/metadata/properties" xmlns:ns2="c388a8e7-8d8e-4e15-8fc3-15472813cd29" targetNamespace="http://schemas.microsoft.com/office/2006/metadata/properties" ma:root="true" ma:fieldsID="c49ffa033bf23b6409b2d48c30b493cc" ns2:_="">
     <xsd:import namespace="c388a8e7-8d8e-4e15-8fc3-15472813cd29"/>
@@ -20036,15 +20054,21 @@
 </ct:contentTypeSchema>
 </file>
 
-<file path=customXml/item4.xml><?xml version="1.0" encoding="utf-8"?>
-<TemplafyTemplateConfiguration><![CDATA[{"elementsMetadata":[],"transformationConfigurations":[],"templateName":"","templateDescription":"","enableDocumentContentUpdater":true,"version":"1.11"}]]></TemplafyTemplateConfiguration>
+<file path=customXml/item6.xml><?xml version="1.0" encoding="utf-8"?>
+<p:properties xmlns:p="http://schemas.microsoft.com/office/2006/metadata/properties" xmlns:xsi="http://www.w3.org/2001/XMLSchema-instance" xmlns:pc="http://schemas.microsoft.com/office/infopath/2007/PartnerControls">
+  <documentManagement/>
+</p:properties>
 </file>
 
-<file path=customXml/item5.xml><?xml version="1.0" encoding="utf-8"?>
-<TemplafySlideTemplateConfiguration><![CDATA[{"slideVersion":0,"isValidatorEnabled":false,"isLocked":false,"elementsMetadata":[],"slideId":"637461423044954626","enableDocumentContentUpdater":true,"version":"1.11"}]]></TemplafySlideTemplateConfiguration>
+<file path=customXml/item7.xml><?xml version="1.0" encoding="utf-8"?>
+<TemplafySlideTemplateConfiguration><![CDATA[{"slideVersion":0,"isValidatorEnabled":false,"isLocked":false,"elementsMetadata":[],"slideId":"637461423044642280","enableDocumentContentUpdater":true,"version":"1.11"}]]></TemplafySlideTemplateConfiguration>
 </file>
 
-<file path=customXml/item6.xml><?xml version="1.0" encoding="utf-8"?>
+<file path=customXml/item8.xml><?xml version="1.0" encoding="utf-8"?>
+<TemplafyFormConfiguration><![CDATA[{"formFields":[],"formDataEntries":[]}]]></TemplafyFormConfiguration>
+</file>
+
+<file path=customXml/item9.xml><?xml version="1.0" encoding="utf-8"?>
 <?mso-contentType ?>
 <FormTemplates xmlns="http://schemas.microsoft.com/sharepoint/v3/contenttype/forms">
   <Display>DocumentLibraryForm</Display>
@@ -20053,33 +20077,31 @@
 </FormTemplates>
 </file>
 
-<file path=customXml/item7.xml><?xml version="1.0" encoding="utf-8"?>
-<p:properties xmlns:p="http://schemas.microsoft.com/office/2006/metadata/properties" xmlns:xsi="http://www.w3.org/2001/XMLSchema-instance" xmlns:pc="http://schemas.microsoft.com/office/infopath/2007/PartnerControls">
-  <documentManagement/>
-</p:properties>
-</file>
-
-<file path=customXml/item8.xml><?xml version="1.0" encoding="utf-8"?>
-<TemplafySlideFormConfiguration><![CDATA[{"formFields":[],"formDataEntries":[]}]]></TemplafySlideFormConfiguration>
-</file>
-
-<file path=customXml/item9.xml><?xml version="1.0" encoding="utf-8"?>
-<TemplafySlideFormConfiguration><![CDATA[{"formFields":[],"formDataEntries":[]}]]></TemplafySlideFormConfiguration>
-</file>
-
 <file path=customXml/itemProps1.xml><?xml version="1.0" encoding="utf-8"?>
-<ds:datastoreItem xmlns:ds="http://schemas.openxmlformats.org/officeDocument/2006/customXml" ds:itemID="{12DC6E26-3D9F-4CF5-B208-C2F1AE150AE9}">
+<ds:datastoreItem xmlns:ds="http://schemas.openxmlformats.org/officeDocument/2006/customXml" ds:itemID="{1A1875B6-6523-454B-A629-1BBEB02A1356}">
   <ds:schemaRefs/>
 </ds:datastoreItem>
 </file>
 
 <file path=customXml/itemProps2.xml><?xml version="1.0" encoding="utf-8"?>
-<ds:datastoreItem xmlns:ds="http://schemas.openxmlformats.org/officeDocument/2006/customXml" ds:itemID="{ED0F9B90-2381-4470-8357-8596193E83CB}">
+<ds:datastoreItem xmlns:ds="http://schemas.openxmlformats.org/officeDocument/2006/customXml" ds:itemID="{D743823D-B8A0-45F7-899F-24FA68183034}">
   <ds:schemaRefs/>
 </ds:datastoreItem>
 </file>
 
 <file path=customXml/itemProps3.xml><?xml version="1.0" encoding="utf-8"?>
+<ds:datastoreItem xmlns:ds="http://schemas.openxmlformats.org/officeDocument/2006/customXml" ds:itemID="{9DDC6897-6779-4954-B465-F519088631FD}">
+  <ds:schemaRefs/>
+</ds:datastoreItem>
+</file>
+
+<file path=customXml/itemProps4.xml><?xml version="1.0" encoding="utf-8"?>
+<ds:datastoreItem xmlns:ds="http://schemas.openxmlformats.org/officeDocument/2006/customXml" ds:itemID="{2AB4DEEA-65CC-48EF-8BE4-865F30D27493}">
+  <ds:schemaRefs/>
+</ds:datastoreItem>
+</file>
+
+<file path=customXml/itemProps5.xml><?xml version="1.0" encoding="utf-8"?>
 <ds:datastoreItem xmlns:ds="http://schemas.openxmlformats.org/officeDocument/2006/customXml" ds:itemID="{1461DC20-2894-4440-B886-1A7612D2680B}">
   <ds:schemaRefs>
     <ds:schemaRef ds:uri="http://schemas.microsoft.com/office/2006/metadata/contentType"/>
@@ -20097,27 +20119,7 @@
 </ds:datastoreItem>
 </file>
 
-<file path=customXml/itemProps4.xml><?xml version="1.0" encoding="utf-8"?>
-<ds:datastoreItem xmlns:ds="http://schemas.openxmlformats.org/officeDocument/2006/customXml" ds:itemID="{D743823D-B8A0-45F7-899F-24FA68183034}">
-  <ds:schemaRefs/>
-</ds:datastoreItem>
-</file>
-
-<file path=customXml/itemProps5.xml><?xml version="1.0" encoding="utf-8"?>
-<ds:datastoreItem xmlns:ds="http://schemas.openxmlformats.org/officeDocument/2006/customXml" ds:itemID="{1A1875B6-6523-454B-A629-1BBEB02A1356}">
-  <ds:schemaRefs/>
-</ds:datastoreItem>
-</file>
-
 <file path=customXml/itemProps6.xml><?xml version="1.0" encoding="utf-8"?>
-<ds:datastoreItem xmlns:ds="http://schemas.openxmlformats.org/officeDocument/2006/customXml" ds:itemID="{BD4C8086-6584-4F72-9A1E-56BE8D88B45D}">
-  <ds:schemaRefs>
-    <ds:schemaRef ds:uri="http://schemas.microsoft.com/sharepoint/v3/contenttype/forms"/>
-  </ds:schemaRefs>
-</ds:datastoreItem>
-</file>
-
-<file path=customXml/itemProps7.xml><?xml version="1.0" encoding="utf-8"?>
 <ds:datastoreItem xmlns:ds="http://schemas.openxmlformats.org/officeDocument/2006/customXml" ds:itemID="{63E96F10-3348-4DA4-BDBA-BAB98E285462}">
   <ds:schemaRefs>
     <ds:schemaRef ds:uri="http://schemas.microsoft.com/office/2006/metadata/properties"/>
@@ -20133,14 +20135,22 @@
 </ds:datastoreItem>
 </file>
 
+<file path=customXml/itemProps7.xml><?xml version="1.0" encoding="utf-8"?>
+<ds:datastoreItem xmlns:ds="http://schemas.openxmlformats.org/officeDocument/2006/customXml" ds:itemID="{ED0F9B90-2381-4470-8357-8596193E83CB}">
+  <ds:schemaRefs/>
+</ds:datastoreItem>
+</file>
+
 <file path=customXml/itemProps8.xml><?xml version="1.0" encoding="utf-8"?>
-<ds:datastoreItem xmlns:ds="http://schemas.openxmlformats.org/officeDocument/2006/customXml" ds:itemID="{2AB4DEEA-65CC-48EF-8BE4-865F30D27493}">
+<ds:datastoreItem xmlns:ds="http://schemas.openxmlformats.org/officeDocument/2006/customXml" ds:itemID="{12DC6E26-3D9F-4CF5-B208-C2F1AE150AE9}">
   <ds:schemaRefs/>
 </ds:datastoreItem>
 </file>
 
 <file path=customXml/itemProps9.xml><?xml version="1.0" encoding="utf-8"?>
-<ds:datastoreItem xmlns:ds="http://schemas.openxmlformats.org/officeDocument/2006/customXml" ds:itemID="{9DDC6897-6779-4954-B465-F519088631FD}">
-  <ds:schemaRefs/>
+<ds:datastoreItem xmlns:ds="http://schemas.openxmlformats.org/officeDocument/2006/customXml" ds:itemID="{BD4C8086-6584-4F72-9A1E-56BE8D88B45D}">
+  <ds:schemaRefs>
+    <ds:schemaRef ds:uri="http://schemas.microsoft.com/sharepoint/v3/contenttype/forms"/>
+  </ds:schemaRefs>
 </ds:datastoreItem>
 </file>